--- a/變身.RPG-00857114+00857110.pptx
+++ b/變身.RPG-00857114+00857110.pptx
@@ -294,6 +294,45 @@
 
 <file path=ppt/changesInfos/changesInfo1.xml><?xml version="1.0" encoding="utf-8"?>
 <pc:chgInfo xmlns:a="http://schemas.openxmlformats.org/drawingml/2006/main" xmlns:r="http://schemas.openxmlformats.org/officeDocument/2006/relationships" xmlns:ac="http://schemas.microsoft.com/office/drawing/2013/main/command" xmlns:pc="http://schemas.microsoft.com/office/powerpoint/2013/main/command">
+  <pc:docChgLst>
+    <pc:chgData name="not found 404" userId="975d476c7f984e95" providerId="LiveId" clId="{10ACB228-528D-4D4A-A503-AD34197FA732}"/>
+    <pc:docChg chg="modSld">
+      <pc:chgData name="not found 404" userId="975d476c7f984e95" providerId="LiveId" clId="{10ACB228-528D-4D4A-A503-AD34197FA732}" dt="2021-01-08T12:39:32.107" v="45" actId="20577"/>
+      <pc:docMkLst>
+        <pc:docMk/>
+      </pc:docMkLst>
+      <pc:sldChg chg="modSp mod">
+        <pc:chgData name="not found 404" userId="975d476c7f984e95" providerId="LiveId" clId="{10ACB228-528D-4D4A-A503-AD34197FA732}" dt="2021-01-08T12:38:01.201" v="34"/>
+        <pc:sldMkLst>
+          <pc:docMk/>
+          <pc:sldMk cId="0" sldId="257"/>
+        </pc:sldMkLst>
+        <pc:spChg chg="mod">
+          <ac:chgData name="not found 404" userId="975d476c7f984e95" providerId="LiveId" clId="{10ACB228-528D-4D4A-A503-AD34197FA732}" dt="2021-01-08T12:38:01.201" v="34"/>
+          <ac:spMkLst>
+            <pc:docMk/>
+            <pc:sldMk cId="0" sldId="257"/>
+            <ac:spMk id="66" creationId="{00000000-0000-0000-0000-000000000000}"/>
+          </ac:spMkLst>
+        </pc:spChg>
+      </pc:sldChg>
+      <pc:sldChg chg="modSp mod">
+        <pc:chgData name="not found 404" userId="975d476c7f984e95" providerId="LiveId" clId="{10ACB228-528D-4D4A-A503-AD34197FA732}" dt="2021-01-08T12:39:32.107" v="45" actId="20577"/>
+        <pc:sldMkLst>
+          <pc:docMk/>
+          <pc:sldMk cId="0" sldId="258"/>
+        </pc:sldMkLst>
+        <pc:spChg chg="mod">
+          <ac:chgData name="not found 404" userId="975d476c7f984e95" providerId="LiveId" clId="{10ACB228-528D-4D4A-A503-AD34197FA732}" dt="2021-01-08T12:39:32.107" v="45" actId="20577"/>
+          <ac:spMkLst>
+            <pc:docMk/>
+            <pc:sldMk cId="0" sldId="258"/>
+            <ac:spMk id="72" creationId="{00000000-0000-0000-0000-000000000000}"/>
+          </ac:spMkLst>
+        </pc:spChg>
+      </pc:sldChg>
+    </pc:docChg>
+  </pc:docChgLst>
   <pc:docChgLst>
     <pc:chgData name="not found 404" userId="975d476c7f984e95" providerId="LiveId" clId="{18162F64-98E8-4E36-8677-469D204254AD}"/>
     <pc:docChg chg="undo custSel addSld delSld modSld sldOrd">
@@ -935,45 +974,6 @@
             <pc:docMk/>
             <pc:sldMk cId="4083533101" sldId="262"/>
             <ac:spMk id="66" creationId="{00000000-0000-0000-0000-000000000000}"/>
-          </ac:spMkLst>
-        </pc:spChg>
-      </pc:sldChg>
-    </pc:docChg>
-  </pc:docChgLst>
-  <pc:docChgLst>
-    <pc:chgData name="not found 404" userId="975d476c7f984e95" providerId="LiveId" clId="{10ACB228-528D-4D4A-A503-AD34197FA732}"/>
-    <pc:docChg chg="modSld">
-      <pc:chgData name="not found 404" userId="975d476c7f984e95" providerId="LiveId" clId="{10ACB228-528D-4D4A-A503-AD34197FA732}" dt="2021-01-08T12:39:32.107" v="45" actId="20577"/>
-      <pc:docMkLst>
-        <pc:docMk/>
-      </pc:docMkLst>
-      <pc:sldChg chg="modSp mod">
-        <pc:chgData name="not found 404" userId="975d476c7f984e95" providerId="LiveId" clId="{10ACB228-528D-4D4A-A503-AD34197FA732}" dt="2021-01-08T12:38:01.201" v="34"/>
-        <pc:sldMkLst>
-          <pc:docMk/>
-          <pc:sldMk cId="0" sldId="257"/>
-        </pc:sldMkLst>
-        <pc:spChg chg="mod">
-          <ac:chgData name="not found 404" userId="975d476c7f984e95" providerId="LiveId" clId="{10ACB228-528D-4D4A-A503-AD34197FA732}" dt="2021-01-08T12:38:01.201" v="34"/>
-          <ac:spMkLst>
-            <pc:docMk/>
-            <pc:sldMk cId="0" sldId="257"/>
-            <ac:spMk id="66" creationId="{00000000-0000-0000-0000-000000000000}"/>
-          </ac:spMkLst>
-        </pc:spChg>
-      </pc:sldChg>
-      <pc:sldChg chg="modSp mod">
-        <pc:chgData name="not found 404" userId="975d476c7f984e95" providerId="LiveId" clId="{10ACB228-528D-4D4A-A503-AD34197FA732}" dt="2021-01-08T12:39:32.107" v="45" actId="20577"/>
-        <pc:sldMkLst>
-          <pc:docMk/>
-          <pc:sldMk cId="0" sldId="258"/>
-        </pc:sldMkLst>
-        <pc:spChg chg="mod">
-          <ac:chgData name="not found 404" userId="975d476c7f984e95" providerId="LiveId" clId="{10ACB228-528D-4D4A-A503-AD34197FA732}" dt="2021-01-08T12:39:32.107" v="45" actId="20577"/>
-          <ac:spMkLst>
-            <pc:docMk/>
-            <pc:sldMk cId="0" sldId="258"/>
-            <ac:spMk id="72" creationId="{00000000-0000-0000-0000-000000000000}"/>
           </ac:spMkLst>
         </pc:spChg>
       </pc:sldChg>
@@ -11817,7 +11817,7 @@
         </p:nvSpPr>
         <p:spPr>
           <a:xfrm>
-            <a:off x="650081" y="1290182"/>
+            <a:off x="650081" y="1287803"/>
             <a:ext cx="7711405" cy="944328"/>
           </a:xfrm>
           <a:prstGeom prst="rect">
@@ -14016,6 +14016,60 @@
                 <a:ea typeface="微軟正黑體" panose="020B0604030504040204" pitchFamily="34" charset="-120"/>
               </a:rPr>
               <a:t>ＢＵＧ測試</a:t>
+            </a:r>
+            <a:endParaRPr lang="en-US" altLang="zh-TW" sz="2000" dirty="0">
+              <a:solidFill>
+                <a:schemeClr val="bg1"/>
+              </a:solidFill>
+              <a:latin typeface="微軟正黑體" panose="020B0604030504040204" pitchFamily="34" charset="-120"/>
+              <a:ea typeface="微軟正黑體" panose="020B0604030504040204" pitchFamily="34" charset="-120"/>
+            </a:endParaRPr>
+          </a:p>
+          <a:p>
+            <a:pPr marL="114300" lvl="0" indent="0" algn="l" rtl="0">
+              <a:spcBef>
+                <a:spcPts val="0"/>
+              </a:spcBef>
+              <a:spcAft>
+                <a:spcPts val="0"/>
+              </a:spcAft>
+              <a:buClr>
+                <a:schemeClr val="lt1"/>
+              </a:buClr>
+              <a:buSzPts val="1800"/>
+              <a:buNone/>
+            </a:pPr>
+            <a:endParaRPr lang="en-US" altLang="zh-TW" sz="2000" dirty="0">
+              <a:solidFill>
+                <a:schemeClr val="bg1"/>
+              </a:solidFill>
+              <a:latin typeface="微軟正黑體" panose="020B0604030504040204" pitchFamily="34" charset="-120"/>
+              <a:ea typeface="微軟正黑體" panose="020B0604030504040204" pitchFamily="34" charset="-120"/>
+            </a:endParaRPr>
+          </a:p>
+          <a:p>
+            <a:pPr marL="114300" lvl="0" indent="0" algn="l" rtl="0">
+              <a:spcBef>
+                <a:spcPts val="0"/>
+              </a:spcBef>
+              <a:spcAft>
+                <a:spcPts val="0"/>
+              </a:spcAft>
+              <a:buClr>
+                <a:schemeClr val="lt1"/>
+              </a:buClr>
+              <a:buSzPts val="1800"/>
+              <a:buNone/>
+            </a:pPr>
+            <a:r>
+              <a:rPr lang="zh-TW" altLang="en-US" sz="2000" dirty="0">
+                <a:solidFill>
+                  <a:schemeClr val="bg1"/>
+                </a:solidFill>
+                <a:latin typeface="微軟正黑體" panose="020B0604030504040204" pitchFamily="34" charset="-120"/>
+                <a:ea typeface="微軟正黑體" panose="020B0604030504040204" pitchFamily="34" charset="-120"/>
+              </a:rPr>
+              <a:t>感謝顏孜諭同學友情提供劇情人物圖片線稿。</a:t>
             </a:r>
             <a:endParaRPr lang="en-US" altLang="zh-TW" sz="2000" dirty="0">
               <a:solidFill>
